--- a/Aegiverse_GUI/HINS/HINS_Ver2.0/doc/reader 架構.pptx
+++ b/Aegiverse_GUI/HINS/HINS_Ver2.0/doc/reader 架構.pptx
@@ -9,9 +9,23 @@
     <p:sldId id="257" r:id="rId3"/>
     <p:sldId id="258" r:id="rId4"/>
     <p:sldId id="259" r:id="rId5"/>
-    <p:sldId id="260" r:id="rId6"/>
-    <p:sldId id="261" r:id="rId7"/>
-    <p:sldId id="262" r:id="rId8"/>
+    <p:sldId id="261" r:id="rId6"/>
+    <p:sldId id="262" r:id="rId7"/>
+    <p:sldId id="263" r:id="rId8"/>
+    <p:sldId id="264" r:id="rId9"/>
+    <p:sldId id="265" r:id="rId10"/>
+    <p:sldId id="266" r:id="rId11"/>
+    <p:sldId id="267" r:id="rId12"/>
+    <p:sldId id="268" r:id="rId13"/>
+    <p:sldId id="269" r:id="rId14"/>
+    <p:sldId id="270" r:id="rId15"/>
+    <p:sldId id="271" r:id="rId16"/>
+    <p:sldId id="272" r:id="rId17"/>
+    <p:sldId id="273" r:id="rId18"/>
+    <p:sldId id="274" r:id="rId19"/>
+    <p:sldId id="275" r:id="rId20"/>
+    <p:sldId id="276" r:id="rId21"/>
+    <p:sldId id="277" r:id="rId22"/>
   </p:sldIdLst>
   <p:sldSz cx="12192000" cy="6858000"/>
   <p:notesSz cx="6858000" cy="9144000"/>
@@ -110,6 +124,11 @@
       </a:defRPr>
     </a:lvl9pPr>
   </p:defaultTextStyle>
+  <p:extLst>
+    <p:ext uri="{EFAFB233-063F-42B5-8137-9DF3F51BA10A}">
+      <p15:sldGuideLst xmlns:p15="http://schemas.microsoft.com/office/powerpoint/2012/main"/>
+    </p:ext>
+  </p:extLst>
 </p:presentation>
 </file>
 
@@ -260,7 +279,7 @@
           <a:p>
             <a:fld id="{A48CA4C5-27E5-4BDE-B644-27F123829F09}" type="datetimeFigureOut">
               <a:rPr lang="zh-TW" altLang="en-US" smtClean="0"/>
-              <a:t>2026/1/21</a:t>
+              <a:t>2026/1/22</a:t>
             </a:fld>
             <a:endParaRPr lang="zh-TW" altLang="en-US"/>
           </a:p>
@@ -458,7 +477,7 @@
           <a:p>
             <a:fld id="{A48CA4C5-27E5-4BDE-B644-27F123829F09}" type="datetimeFigureOut">
               <a:rPr lang="zh-TW" altLang="en-US" smtClean="0"/>
-              <a:t>2026/1/21</a:t>
+              <a:t>2026/1/22</a:t>
             </a:fld>
             <a:endParaRPr lang="zh-TW" altLang="en-US"/>
           </a:p>
@@ -666,7 +685,7 @@
           <a:p>
             <a:fld id="{A48CA4C5-27E5-4BDE-B644-27F123829F09}" type="datetimeFigureOut">
               <a:rPr lang="zh-TW" altLang="en-US" smtClean="0"/>
-              <a:t>2026/1/21</a:t>
+              <a:t>2026/1/22</a:t>
             </a:fld>
             <a:endParaRPr lang="zh-TW" altLang="en-US"/>
           </a:p>
@@ -864,7 +883,7 @@
           <a:p>
             <a:fld id="{A48CA4C5-27E5-4BDE-B644-27F123829F09}" type="datetimeFigureOut">
               <a:rPr lang="zh-TW" altLang="en-US" smtClean="0"/>
-              <a:t>2026/1/21</a:t>
+              <a:t>2026/1/22</a:t>
             </a:fld>
             <a:endParaRPr lang="zh-TW" altLang="en-US"/>
           </a:p>
@@ -1139,7 +1158,7 @@
           <a:p>
             <a:fld id="{A48CA4C5-27E5-4BDE-B644-27F123829F09}" type="datetimeFigureOut">
               <a:rPr lang="zh-TW" altLang="en-US" smtClean="0"/>
-              <a:t>2026/1/21</a:t>
+              <a:t>2026/1/22</a:t>
             </a:fld>
             <a:endParaRPr lang="zh-TW" altLang="en-US"/>
           </a:p>
@@ -1404,7 +1423,7 @@
           <a:p>
             <a:fld id="{A48CA4C5-27E5-4BDE-B644-27F123829F09}" type="datetimeFigureOut">
               <a:rPr lang="zh-TW" altLang="en-US" smtClean="0"/>
-              <a:t>2026/1/21</a:t>
+              <a:t>2026/1/22</a:t>
             </a:fld>
             <a:endParaRPr lang="zh-TW" altLang="en-US"/>
           </a:p>
@@ -1816,7 +1835,7 @@
           <a:p>
             <a:fld id="{A48CA4C5-27E5-4BDE-B644-27F123829F09}" type="datetimeFigureOut">
               <a:rPr lang="zh-TW" altLang="en-US" smtClean="0"/>
-              <a:t>2026/1/21</a:t>
+              <a:t>2026/1/22</a:t>
             </a:fld>
             <a:endParaRPr lang="zh-TW" altLang="en-US"/>
           </a:p>
@@ -1957,7 +1976,7 @@
           <a:p>
             <a:fld id="{A48CA4C5-27E5-4BDE-B644-27F123829F09}" type="datetimeFigureOut">
               <a:rPr lang="zh-TW" altLang="en-US" smtClean="0"/>
-              <a:t>2026/1/21</a:t>
+              <a:t>2026/1/22</a:t>
             </a:fld>
             <a:endParaRPr lang="zh-TW" altLang="en-US"/>
           </a:p>
@@ -2070,7 +2089,7 @@
           <a:p>
             <a:fld id="{A48CA4C5-27E5-4BDE-B644-27F123829F09}" type="datetimeFigureOut">
               <a:rPr lang="zh-TW" altLang="en-US" smtClean="0"/>
-              <a:t>2026/1/21</a:t>
+              <a:t>2026/1/22</a:t>
             </a:fld>
             <a:endParaRPr lang="zh-TW" altLang="en-US"/>
           </a:p>
@@ -2381,7 +2400,7 @@
           <a:p>
             <a:fld id="{A48CA4C5-27E5-4BDE-B644-27F123829F09}" type="datetimeFigureOut">
               <a:rPr lang="zh-TW" altLang="en-US" smtClean="0"/>
-              <a:t>2026/1/21</a:t>
+              <a:t>2026/1/22</a:t>
             </a:fld>
             <a:endParaRPr lang="zh-TW" altLang="en-US"/>
           </a:p>
@@ -2669,7 +2688,7 @@
           <a:p>
             <a:fld id="{A48CA4C5-27E5-4BDE-B644-27F123829F09}" type="datetimeFigureOut">
               <a:rPr lang="zh-TW" altLang="en-US" smtClean="0"/>
-              <a:t>2026/1/21</a:t>
+              <a:t>2026/1/22</a:t>
             </a:fld>
             <a:endParaRPr lang="zh-TW" altLang="en-US"/>
           </a:p>
@@ -2910,7 +2929,7 @@
           <a:p>
             <a:fld id="{A48CA4C5-27E5-4BDE-B644-27F123829F09}" type="datetimeFigureOut">
               <a:rPr lang="zh-TW" altLang="en-US" smtClean="0"/>
-              <a:t>2026/1/21</a:t>
+              <a:t>2026/1/22</a:t>
             </a:fld>
             <a:endParaRPr lang="zh-TW" altLang="en-US"/>
           </a:p>
@@ -3400,6 +3419,811 @@
 </p:sld>
 </file>
 
+<file path=ppt/slides/slide10.xml><?xml version="1.0" encoding="utf-8"?>
+<p:sld xmlns:a="http://schemas.openxmlformats.org/drawingml/2006/main" xmlns:r="http://schemas.openxmlformats.org/officeDocument/2006/relationships" xmlns:p="http://schemas.openxmlformats.org/presentationml/2006/main">
+  <p:cSld>
+    <p:spTree>
+      <p:nvGrpSpPr>
+        <p:cNvPr id="1" name="">
+          <a:extLst>
+            <a:ext uri="{FF2B5EF4-FFF2-40B4-BE49-F238E27FC236}">
+              <a16:creationId xmlns:a16="http://schemas.microsoft.com/office/drawing/2014/main" id="{CF77D481-3B91-991C-F200-38F37E1BDA7B}"/>
+            </a:ext>
+          </a:extLst>
+        </p:cNvPr>
+        <p:cNvGrpSpPr/>
+        <p:nvPr/>
+      </p:nvGrpSpPr>
+      <p:grpSpPr>
+        <a:xfrm>
+          <a:off x="0" y="0"/>
+          <a:ext cx="0" cy="0"/>
+          <a:chOff x="0" y="0"/>
+          <a:chExt cx="0" cy="0"/>
+        </a:xfrm>
+      </p:grpSpPr>
+      <p:sp>
+        <p:nvSpPr>
+          <p:cNvPr id="2" name="文字方塊 1">
+            <a:extLst>
+              <a:ext uri="{FF2B5EF4-FFF2-40B4-BE49-F238E27FC236}">
+                <a16:creationId xmlns:a16="http://schemas.microsoft.com/office/drawing/2014/main" id="{9AEAB7D5-1235-3A11-25F9-219830773B80}"/>
+              </a:ext>
+            </a:extLst>
+          </p:cNvPr>
+          <p:cNvSpPr txBox="1"/>
+          <p:nvPr/>
+        </p:nvSpPr>
+        <p:spPr>
+          <a:xfrm>
+            <a:off x="477078" y="387626"/>
+            <a:ext cx="1173719" cy="369332"/>
+          </a:xfrm>
+          <a:prstGeom prst="rect">
+            <a:avLst/>
+          </a:prstGeom>
+          <a:noFill/>
+        </p:spPr>
+        <p:txBody>
+          <a:bodyPr wrap="none" rtlCol="0">
+            <a:spAutoFit/>
+          </a:bodyPr>
+          <a:lstStyle/>
+          <a:p>
+            <a:r>
+              <a:rPr lang="zh-TW" altLang="en-US" dirty="0"/>
+              <a:t>分流畫圖</a:t>
+            </a:r>
+            <a:r>
+              <a:rPr lang="en-US" altLang="zh-TW" dirty="0"/>
+              <a:t>:</a:t>
+            </a:r>
+            <a:endParaRPr lang="zh-TW" altLang="en-US" dirty="0"/>
+          </a:p>
+        </p:txBody>
+      </p:sp>
+      <p:pic>
+        <p:nvPicPr>
+          <p:cNvPr id="4" name="圖片 3" descr="一張含有 文字, 螢幕擷取畫面, 字型, 軟體 的圖片&#10;&#10;AI 產生的內容可能不正確。">
+            <a:extLst>
+              <a:ext uri="{FF2B5EF4-FFF2-40B4-BE49-F238E27FC236}">
+                <a16:creationId xmlns:a16="http://schemas.microsoft.com/office/drawing/2014/main" id="{DFFE919A-C74A-F243-D256-08B69D09CC1B}"/>
+              </a:ext>
+            </a:extLst>
+          </p:cNvPr>
+          <p:cNvPicPr>
+            <a:picLocks noChangeAspect="1"/>
+          </p:cNvPicPr>
+          <p:nvPr/>
+        </p:nvPicPr>
+        <p:blipFill>
+          <a:blip r:embed="rId2"/>
+          <a:stretch>
+            <a:fillRect/>
+          </a:stretch>
+        </p:blipFill>
+        <p:spPr>
+          <a:xfrm>
+            <a:off x="2693505" y="263379"/>
+            <a:ext cx="7321596" cy="5263414"/>
+          </a:xfrm>
+          <a:prstGeom prst="rect">
+            <a:avLst/>
+          </a:prstGeom>
+        </p:spPr>
+      </p:pic>
+      <p:pic>
+        <p:nvPicPr>
+          <p:cNvPr id="6" name="圖片 5">
+            <a:extLst>
+              <a:ext uri="{FF2B5EF4-FFF2-40B4-BE49-F238E27FC236}">
+                <a16:creationId xmlns:a16="http://schemas.microsoft.com/office/drawing/2014/main" id="{E2BFCE23-7056-73AB-28AD-667B49F923B6}"/>
+              </a:ext>
+            </a:extLst>
+          </p:cNvPr>
+          <p:cNvPicPr>
+            <a:picLocks noChangeAspect="1"/>
+          </p:cNvPicPr>
+          <p:nvPr/>
+        </p:nvPicPr>
+        <p:blipFill>
+          <a:blip r:embed="rId3"/>
+          <a:stretch>
+            <a:fillRect/>
+          </a:stretch>
+        </p:blipFill>
+        <p:spPr>
+          <a:xfrm>
+            <a:off x="1837730" y="5722399"/>
+            <a:ext cx="8516539" cy="800212"/>
+          </a:xfrm>
+          <a:prstGeom prst="rect">
+            <a:avLst/>
+          </a:prstGeom>
+        </p:spPr>
+      </p:pic>
+    </p:spTree>
+    <p:extLst>
+      <p:ext uri="{BB962C8B-B14F-4D97-AF65-F5344CB8AC3E}">
+        <p14:creationId xmlns:p14="http://schemas.microsoft.com/office/powerpoint/2010/main" val="501589042"/>
+      </p:ext>
+    </p:extLst>
+  </p:cSld>
+  <p:clrMapOvr>
+    <a:masterClrMapping/>
+  </p:clrMapOvr>
+</p:sld>
+</file>
+
+<file path=ppt/slides/slide11.xml><?xml version="1.0" encoding="utf-8"?>
+<p:sld xmlns:a="http://schemas.openxmlformats.org/drawingml/2006/main" xmlns:r="http://schemas.openxmlformats.org/officeDocument/2006/relationships" xmlns:p="http://schemas.openxmlformats.org/presentationml/2006/main">
+  <p:cSld>
+    <p:spTree>
+      <p:nvGrpSpPr>
+        <p:cNvPr id="1" name="">
+          <a:extLst>
+            <a:ext uri="{FF2B5EF4-FFF2-40B4-BE49-F238E27FC236}">
+              <a16:creationId xmlns:a16="http://schemas.microsoft.com/office/drawing/2014/main" id="{2035637B-E86D-7A10-012C-729FD4EEC718}"/>
+            </a:ext>
+          </a:extLst>
+        </p:cNvPr>
+        <p:cNvGrpSpPr/>
+        <p:nvPr/>
+      </p:nvGrpSpPr>
+      <p:grpSpPr>
+        <a:xfrm>
+          <a:off x="0" y="0"/>
+          <a:ext cx="0" cy="0"/>
+          <a:chOff x="0" y="0"/>
+          <a:chExt cx="0" cy="0"/>
+        </a:xfrm>
+      </p:grpSpPr>
+      <p:pic>
+        <p:nvPicPr>
+          <p:cNvPr id="3" name="圖片 2" descr="一張含有 文字, 螢幕擷取畫面, 字型, 數字 的圖片&#10;&#10;AI 產生的內容可能不正確。">
+            <a:extLst>
+              <a:ext uri="{FF2B5EF4-FFF2-40B4-BE49-F238E27FC236}">
+                <a16:creationId xmlns:a16="http://schemas.microsoft.com/office/drawing/2014/main" id="{7DE315E7-EA50-52F0-53BD-07B0C945CEA5}"/>
+              </a:ext>
+            </a:extLst>
+          </p:cNvPr>
+          <p:cNvPicPr>
+            <a:picLocks noChangeAspect="1"/>
+          </p:cNvPicPr>
+          <p:nvPr/>
+        </p:nvPicPr>
+        <p:blipFill>
+          <a:blip r:embed="rId2"/>
+          <a:stretch>
+            <a:fillRect/>
+          </a:stretch>
+        </p:blipFill>
+        <p:spPr>
+          <a:xfrm>
+            <a:off x="1885362" y="1156970"/>
+            <a:ext cx="8421275" cy="4544059"/>
+          </a:xfrm>
+          <a:prstGeom prst="rect">
+            <a:avLst/>
+          </a:prstGeom>
+        </p:spPr>
+      </p:pic>
+    </p:spTree>
+    <p:extLst>
+      <p:ext uri="{BB962C8B-B14F-4D97-AF65-F5344CB8AC3E}">
+        <p14:creationId xmlns:p14="http://schemas.microsoft.com/office/powerpoint/2010/main" val="758453781"/>
+      </p:ext>
+    </p:extLst>
+  </p:cSld>
+  <p:clrMapOvr>
+    <a:masterClrMapping/>
+  </p:clrMapOvr>
+</p:sld>
+</file>
+
+<file path=ppt/slides/slide12.xml><?xml version="1.0" encoding="utf-8"?>
+<p:sld xmlns:a="http://schemas.openxmlformats.org/drawingml/2006/main" xmlns:r="http://schemas.openxmlformats.org/officeDocument/2006/relationships" xmlns:p="http://schemas.openxmlformats.org/presentationml/2006/main">
+  <p:cSld>
+    <p:spTree>
+      <p:nvGrpSpPr>
+        <p:cNvPr id="1" name="">
+          <a:extLst>
+            <a:ext uri="{FF2B5EF4-FFF2-40B4-BE49-F238E27FC236}">
+              <a16:creationId xmlns:a16="http://schemas.microsoft.com/office/drawing/2014/main" id="{E49A5617-FC47-9D93-474B-F62A5EE94FC1}"/>
+            </a:ext>
+          </a:extLst>
+        </p:cNvPr>
+        <p:cNvGrpSpPr/>
+        <p:nvPr/>
+      </p:nvGrpSpPr>
+      <p:grpSpPr>
+        <a:xfrm>
+          <a:off x="0" y="0"/>
+          <a:ext cx="0" cy="0"/>
+          <a:chOff x="0" y="0"/>
+          <a:chExt cx="0" cy="0"/>
+        </a:xfrm>
+      </p:grpSpPr>
+      <p:pic>
+        <p:nvPicPr>
+          <p:cNvPr id="3" name="圖片 2" descr="一張含有 文字, 螢幕擷取畫面, 字型, 代數 的圖片&#10;&#10;AI 產生的內容可能不正確。">
+            <a:extLst>
+              <a:ext uri="{FF2B5EF4-FFF2-40B4-BE49-F238E27FC236}">
+                <a16:creationId xmlns:a16="http://schemas.microsoft.com/office/drawing/2014/main" id="{A2CDCC56-3083-92DC-F5BD-C406A7CA9AC5}"/>
+              </a:ext>
+            </a:extLst>
+          </p:cNvPr>
+          <p:cNvPicPr>
+            <a:picLocks noChangeAspect="1"/>
+          </p:cNvPicPr>
+          <p:nvPr/>
+        </p:nvPicPr>
+        <p:blipFill>
+          <a:blip r:embed="rId2"/>
+          <a:stretch>
+            <a:fillRect/>
+          </a:stretch>
+        </p:blipFill>
+        <p:spPr>
+          <a:xfrm>
+            <a:off x="2872409" y="382324"/>
+            <a:ext cx="7046190" cy="3928688"/>
+          </a:xfrm>
+          <a:prstGeom prst="rect">
+            <a:avLst/>
+          </a:prstGeom>
+        </p:spPr>
+      </p:pic>
+      <p:pic>
+        <p:nvPicPr>
+          <p:cNvPr id="5" name="圖片 4" descr="一張含有 文字, 字型, 收據, 代數 的圖片&#10;&#10;AI 產生的內容可能不正確。">
+            <a:extLst>
+              <a:ext uri="{FF2B5EF4-FFF2-40B4-BE49-F238E27FC236}">
+                <a16:creationId xmlns:a16="http://schemas.microsoft.com/office/drawing/2014/main" id="{448F9E70-8EA9-BFF4-B6F5-767738687AD6}"/>
+              </a:ext>
+            </a:extLst>
+          </p:cNvPr>
+          <p:cNvPicPr>
+            <a:picLocks noChangeAspect="1"/>
+          </p:cNvPicPr>
+          <p:nvPr/>
+        </p:nvPicPr>
+        <p:blipFill>
+          <a:blip r:embed="rId3"/>
+          <a:stretch>
+            <a:fillRect/>
+          </a:stretch>
+        </p:blipFill>
+        <p:spPr>
+          <a:xfrm>
+            <a:off x="2723322" y="4386790"/>
+            <a:ext cx="7519422" cy="2373662"/>
+          </a:xfrm>
+          <a:prstGeom prst="rect">
+            <a:avLst/>
+          </a:prstGeom>
+        </p:spPr>
+      </p:pic>
+    </p:spTree>
+    <p:extLst>
+      <p:ext uri="{BB962C8B-B14F-4D97-AF65-F5344CB8AC3E}">
+        <p14:creationId xmlns:p14="http://schemas.microsoft.com/office/powerpoint/2010/main" val="1770636154"/>
+      </p:ext>
+    </p:extLst>
+  </p:cSld>
+  <p:clrMapOvr>
+    <a:masterClrMapping/>
+  </p:clrMapOvr>
+</p:sld>
+</file>
+
+<file path=ppt/slides/slide13.xml><?xml version="1.0" encoding="utf-8"?>
+<p:sld xmlns:a="http://schemas.openxmlformats.org/drawingml/2006/main" xmlns:r="http://schemas.openxmlformats.org/officeDocument/2006/relationships" xmlns:p="http://schemas.openxmlformats.org/presentationml/2006/main">
+  <p:cSld>
+    <p:spTree>
+      <p:nvGrpSpPr>
+        <p:cNvPr id="1" name="">
+          <a:extLst>
+            <a:ext uri="{FF2B5EF4-FFF2-40B4-BE49-F238E27FC236}">
+              <a16:creationId xmlns:a16="http://schemas.microsoft.com/office/drawing/2014/main" id="{B122D445-F1CC-B570-4869-517EA2D261E6}"/>
+            </a:ext>
+          </a:extLst>
+        </p:cNvPr>
+        <p:cNvGrpSpPr/>
+        <p:nvPr/>
+      </p:nvGrpSpPr>
+      <p:grpSpPr>
+        <a:xfrm>
+          <a:off x="0" y="0"/>
+          <a:ext cx="0" cy="0"/>
+          <a:chOff x="0" y="0"/>
+          <a:chExt cx="0" cy="0"/>
+        </a:xfrm>
+      </p:grpSpPr>
+    </p:spTree>
+    <p:extLst>
+      <p:ext uri="{BB962C8B-B14F-4D97-AF65-F5344CB8AC3E}">
+        <p14:creationId xmlns:p14="http://schemas.microsoft.com/office/powerpoint/2010/main" val="1836552151"/>
+      </p:ext>
+    </p:extLst>
+  </p:cSld>
+  <p:clrMapOvr>
+    <a:masterClrMapping/>
+  </p:clrMapOvr>
+</p:sld>
+</file>
+
+<file path=ppt/slides/slide14.xml><?xml version="1.0" encoding="utf-8"?>
+<p:sld xmlns:a="http://schemas.openxmlformats.org/drawingml/2006/main" xmlns:r="http://schemas.openxmlformats.org/officeDocument/2006/relationships" xmlns:p="http://schemas.openxmlformats.org/presentationml/2006/main">
+  <p:cSld>
+    <p:spTree>
+      <p:nvGrpSpPr>
+        <p:cNvPr id="1" name="">
+          <a:extLst>
+            <a:ext uri="{FF2B5EF4-FFF2-40B4-BE49-F238E27FC236}">
+              <a16:creationId xmlns:a16="http://schemas.microsoft.com/office/drawing/2014/main" id="{22CA35C8-2381-1205-3BBD-EC5FD68FF39E}"/>
+            </a:ext>
+          </a:extLst>
+        </p:cNvPr>
+        <p:cNvGrpSpPr/>
+        <p:nvPr/>
+      </p:nvGrpSpPr>
+      <p:grpSpPr>
+        <a:xfrm>
+          <a:off x="0" y="0"/>
+          <a:ext cx="0" cy="0"/>
+          <a:chOff x="0" y="0"/>
+          <a:chExt cx="0" cy="0"/>
+        </a:xfrm>
+      </p:grpSpPr>
+      <p:sp>
+        <p:nvSpPr>
+          <p:cNvPr id="2" name="文字方塊 1">
+            <a:extLst>
+              <a:ext uri="{FF2B5EF4-FFF2-40B4-BE49-F238E27FC236}">
+                <a16:creationId xmlns:a16="http://schemas.microsoft.com/office/drawing/2014/main" id="{9A3E5CF3-BD87-8F52-94DE-D46145F92C41}"/>
+              </a:ext>
+            </a:extLst>
+          </p:cNvPr>
+          <p:cNvSpPr txBox="1"/>
+          <p:nvPr/>
+        </p:nvSpPr>
+        <p:spPr>
+          <a:xfrm>
+            <a:off x="596348" y="318052"/>
+            <a:ext cx="2270173" cy="369332"/>
+          </a:xfrm>
+          <a:prstGeom prst="rect">
+            <a:avLst/>
+          </a:prstGeom>
+          <a:noFill/>
+        </p:spPr>
+        <p:txBody>
+          <a:bodyPr wrap="none" rtlCol="0">
+            <a:spAutoFit/>
+          </a:bodyPr>
+          <a:lstStyle/>
+          <a:p>
+            <a:r>
+              <a:rPr lang="en-US" altLang="zh-TW" dirty="0"/>
+              <a:t>Reader decode </a:t>
+            </a:r>
+            <a:r>
+              <a:rPr lang="zh-TW" altLang="en-US" dirty="0"/>
+              <a:t>機制</a:t>
+            </a:r>
+            <a:r>
+              <a:rPr lang="en-US" altLang="zh-TW" dirty="0"/>
+              <a:t>:</a:t>
+            </a:r>
+            <a:endParaRPr lang="zh-TW" altLang="en-US" dirty="0"/>
+          </a:p>
+        </p:txBody>
+      </p:sp>
+      <p:pic>
+        <p:nvPicPr>
+          <p:cNvPr id="4" name="圖片 3" descr="一張含有 文字, 螢幕擷取畫面, 字型, 文件 的圖片&#10;&#10;AI 產生的內容可能不正確。">
+            <a:extLst>
+              <a:ext uri="{FF2B5EF4-FFF2-40B4-BE49-F238E27FC236}">
+                <a16:creationId xmlns:a16="http://schemas.microsoft.com/office/drawing/2014/main" id="{AE9AD1ED-22B2-05EF-745A-012AEB9A3DD2}"/>
+              </a:ext>
+            </a:extLst>
+          </p:cNvPr>
+          <p:cNvPicPr>
+            <a:picLocks noChangeAspect="1"/>
+          </p:cNvPicPr>
+          <p:nvPr/>
+        </p:nvPicPr>
+        <p:blipFill>
+          <a:blip r:embed="rId2"/>
+          <a:stretch>
+            <a:fillRect/>
+          </a:stretch>
+        </p:blipFill>
+        <p:spPr>
+          <a:xfrm>
+            <a:off x="3050534" y="142416"/>
+            <a:ext cx="8545118" cy="6573167"/>
+          </a:xfrm>
+          <a:prstGeom prst="rect">
+            <a:avLst/>
+          </a:prstGeom>
+        </p:spPr>
+      </p:pic>
+    </p:spTree>
+    <p:extLst>
+      <p:ext uri="{BB962C8B-B14F-4D97-AF65-F5344CB8AC3E}">
+        <p14:creationId xmlns:p14="http://schemas.microsoft.com/office/powerpoint/2010/main" val="155787546"/>
+      </p:ext>
+    </p:extLst>
+  </p:cSld>
+  <p:clrMapOvr>
+    <a:masterClrMapping/>
+  </p:clrMapOvr>
+</p:sld>
+</file>
+
+<file path=ppt/slides/slide15.xml><?xml version="1.0" encoding="utf-8"?>
+<p:sld xmlns:a="http://schemas.openxmlformats.org/drawingml/2006/main" xmlns:r="http://schemas.openxmlformats.org/officeDocument/2006/relationships" xmlns:p="http://schemas.openxmlformats.org/presentationml/2006/main">
+  <p:cSld>
+    <p:spTree>
+      <p:nvGrpSpPr>
+        <p:cNvPr id="1" name="">
+          <a:extLst>
+            <a:ext uri="{FF2B5EF4-FFF2-40B4-BE49-F238E27FC236}">
+              <a16:creationId xmlns:a16="http://schemas.microsoft.com/office/drawing/2014/main" id="{CD281603-A2CB-357E-8732-8957F0EEA858}"/>
+            </a:ext>
+          </a:extLst>
+        </p:cNvPr>
+        <p:cNvGrpSpPr/>
+        <p:nvPr/>
+      </p:nvGrpSpPr>
+      <p:grpSpPr>
+        <a:xfrm>
+          <a:off x="0" y="0"/>
+          <a:ext cx="0" cy="0"/>
+          <a:chOff x="0" y="0"/>
+          <a:chExt cx="0" cy="0"/>
+        </a:xfrm>
+      </p:grpSpPr>
+      <p:pic>
+        <p:nvPicPr>
+          <p:cNvPr id="3" name="圖片 2" descr="一張含有 文字, 收據, 字型, 白色 的圖片&#10;&#10;AI 產生的內容可能不正確。">
+            <a:extLst>
+              <a:ext uri="{FF2B5EF4-FFF2-40B4-BE49-F238E27FC236}">
+                <a16:creationId xmlns:a16="http://schemas.microsoft.com/office/drawing/2014/main" id="{DF6A8AAD-8A51-C8B2-F2C1-E4C396C06B5B}"/>
+              </a:ext>
+            </a:extLst>
+          </p:cNvPr>
+          <p:cNvPicPr>
+            <a:picLocks noChangeAspect="1"/>
+          </p:cNvPicPr>
+          <p:nvPr/>
+        </p:nvPicPr>
+        <p:blipFill>
+          <a:blip r:embed="rId2"/>
+          <a:stretch>
+            <a:fillRect/>
+          </a:stretch>
+        </p:blipFill>
+        <p:spPr>
+          <a:xfrm>
+            <a:off x="1913941" y="2552577"/>
+            <a:ext cx="8364117" cy="1752845"/>
+          </a:xfrm>
+          <a:prstGeom prst="rect">
+            <a:avLst/>
+          </a:prstGeom>
+        </p:spPr>
+      </p:pic>
+    </p:spTree>
+    <p:extLst>
+      <p:ext uri="{BB962C8B-B14F-4D97-AF65-F5344CB8AC3E}">
+        <p14:creationId xmlns:p14="http://schemas.microsoft.com/office/powerpoint/2010/main" val="2059412905"/>
+      </p:ext>
+    </p:extLst>
+  </p:cSld>
+  <p:clrMapOvr>
+    <a:masterClrMapping/>
+  </p:clrMapOvr>
+</p:sld>
+</file>
+
+<file path=ppt/slides/slide16.xml><?xml version="1.0" encoding="utf-8"?>
+<p:sld xmlns:a="http://schemas.openxmlformats.org/drawingml/2006/main" xmlns:r="http://schemas.openxmlformats.org/officeDocument/2006/relationships" xmlns:p="http://schemas.openxmlformats.org/presentationml/2006/main">
+  <p:cSld>
+    <p:spTree>
+      <p:nvGrpSpPr>
+        <p:cNvPr id="1" name="">
+          <a:extLst>
+            <a:ext uri="{FF2B5EF4-FFF2-40B4-BE49-F238E27FC236}">
+              <a16:creationId xmlns:a16="http://schemas.microsoft.com/office/drawing/2014/main" id="{839267B7-E9F3-A833-6F6D-F76B8F4A9C54}"/>
+            </a:ext>
+          </a:extLst>
+        </p:cNvPr>
+        <p:cNvGrpSpPr/>
+        <p:nvPr/>
+      </p:nvGrpSpPr>
+      <p:grpSpPr>
+        <a:xfrm>
+          <a:off x="0" y="0"/>
+          <a:ext cx="0" cy="0"/>
+          <a:chOff x="0" y="0"/>
+          <a:chExt cx="0" cy="0"/>
+        </a:xfrm>
+      </p:grpSpPr>
+    </p:spTree>
+    <p:extLst>
+      <p:ext uri="{BB962C8B-B14F-4D97-AF65-F5344CB8AC3E}">
+        <p14:creationId xmlns:p14="http://schemas.microsoft.com/office/powerpoint/2010/main" val="446425136"/>
+      </p:ext>
+    </p:extLst>
+  </p:cSld>
+  <p:clrMapOvr>
+    <a:masterClrMapping/>
+  </p:clrMapOvr>
+</p:sld>
+</file>
+
+<file path=ppt/slides/slide17.xml><?xml version="1.0" encoding="utf-8"?>
+<p:sld xmlns:a="http://schemas.openxmlformats.org/drawingml/2006/main" xmlns:r="http://schemas.openxmlformats.org/officeDocument/2006/relationships" xmlns:p="http://schemas.openxmlformats.org/presentationml/2006/main">
+  <p:cSld>
+    <p:spTree>
+      <p:nvGrpSpPr>
+        <p:cNvPr id="1" name="">
+          <a:extLst>
+            <a:ext uri="{FF2B5EF4-FFF2-40B4-BE49-F238E27FC236}">
+              <a16:creationId xmlns:a16="http://schemas.microsoft.com/office/drawing/2014/main" id="{4285D235-ED94-BA79-C9D3-AC83D3EA74E1}"/>
+            </a:ext>
+          </a:extLst>
+        </p:cNvPr>
+        <p:cNvGrpSpPr/>
+        <p:nvPr/>
+      </p:nvGrpSpPr>
+      <p:grpSpPr>
+        <a:xfrm>
+          <a:off x="0" y="0"/>
+          <a:ext cx="0" cy="0"/>
+          <a:chOff x="0" y="0"/>
+          <a:chExt cx="0" cy="0"/>
+        </a:xfrm>
+      </p:grpSpPr>
+      <p:sp>
+        <p:nvSpPr>
+          <p:cNvPr id="2" name="文字方塊 1">
+            <a:extLst>
+              <a:ext uri="{FF2B5EF4-FFF2-40B4-BE49-F238E27FC236}">
+                <a16:creationId xmlns:a16="http://schemas.microsoft.com/office/drawing/2014/main" id="{463AC647-C8F7-6BF1-03B0-DC87C2589F97}"/>
+              </a:ext>
+            </a:extLst>
+          </p:cNvPr>
+          <p:cNvSpPr txBox="1"/>
+          <p:nvPr/>
+        </p:nvSpPr>
+        <p:spPr>
+          <a:xfrm>
+            <a:off x="298174" y="357809"/>
+            <a:ext cx="1317990" cy="369332"/>
+          </a:xfrm>
+          <a:prstGeom prst="rect">
+            <a:avLst/>
+          </a:prstGeom>
+          <a:noFill/>
+        </p:spPr>
+        <p:txBody>
+          <a:bodyPr wrap="none" rtlCol="0">
+            <a:spAutoFit/>
+          </a:bodyPr>
+          <a:lstStyle/>
+          <a:p>
+            <a:r>
+              <a:rPr lang="en-US" altLang="zh-TW" dirty="0"/>
+              <a:t>Menu </a:t>
+            </a:r>
+            <a:r>
+              <a:rPr lang="zh-TW" altLang="en-US" dirty="0"/>
+              <a:t>架構</a:t>
+            </a:r>
+            <a:r>
+              <a:rPr lang="en-US" altLang="zh-TW" dirty="0"/>
+              <a:t>:</a:t>
+            </a:r>
+            <a:endParaRPr lang="zh-TW" altLang="en-US" dirty="0"/>
+          </a:p>
+        </p:txBody>
+      </p:sp>
+      <p:pic>
+        <p:nvPicPr>
+          <p:cNvPr id="4" name="圖片 3" descr="一張含有 文字, 螢幕擷取畫面, 字型, 文件 的圖片&#10;&#10;AI 產生的內容可能不正確。">
+            <a:extLst>
+              <a:ext uri="{FF2B5EF4-FFF2-40B4-BE49-F238E27FC236}">
+                <a16:creationId xmlns:a16="http://schemas.microsoft.com/office/drawing/2014/main" id="{AAF15DEA-FDA0-72EB-69F7-FAF966734D51}"/>
+              </a:ext>
+            </a:extLst>
+          </p:cNvPr>
+          <p:cNvPicPr>
+            <a:picLocks noChangeAspect="1"/>
+          </p:cNvPicPr>
+          <p:nvPr/>
+        </p:nvPicPr>
+        <p:blipFill>
+          <a:blip r:embed="rId2"/>
+          <a:stretch>
+            <a:fillRect/>
+          </a:stretch>
+        </p:blipFill>
+        <p:spPr>
+          <a:xfrm>
+            <a:off x="2037783" y="694943"/>
+            <a:ext cx="8116433" cy="5468113"/>
+          </a:xfrm>
+          <a:prstGeom prst="rect">
+            <a:avLst/>
+          </a:prstGeom>
+        </p:spPr>
+      </p:pic>
+    </p:spTree>
+    <p:extLst>
+      <p:ext uri="{BB962C8B-B14F-4D97-AF65-F5344CB8AC3E}">
+        <p14:creationId xmlns:p14="http://schemas.microsoft.com/office/powerpoint/2010/main" val="785970521"/>
+      </p:ext>
+    </p:extLst>
+  </p:cSld>
+  <p:clrMapOvr>
+    <a:masterClrMapping/>
+  </p:clrMapOvr>
+</p:sld>
+</file>
+
+<file path=ppt/slides/slide18.xml><?xml version="1.0" encoding="utf-8"?>
+<p:sld xmlns:a="http://schemas.openxmlformats.org/drawingml/2006/main" xmlns:r="http://schemas.openxmlformats.org/officeDocument/2006/relationships" xmlns:p="http://schemas.openxmlformats.org/presentationml/2006/main">
+  <p:cSld>
+    <p:spTree>
+      <p:nvGrpSpPr>
+        <p:cNvPr id="1" name="">
+          <a:extLst>
+            <a:ext uri="{FF2B5EF4-FFF2-40B4-BE49-F238E27FC236}">
+              <a16:creationId xmlns:a16="http://schemas.microsoft.com/office/drawing/2014/main" id="{8912CBB2-C346-A6B9-4CB8-16C2BAB16C91}"/>
+            </a:ext>
+          </a:extLst>
+        </p:cNvPr>
+        <p:cNvGrpSpPr/>
+        <p:nvPr/>
+      </p:nvGrpSpPr>
+      <p:grpSpPr>
+        <a:xfrm>
+          <a:off x="0" y="0"/>
+          <a:ext cx="0" cy="0"/>
+          <a:chOff x="0" y="0"/>
+          <a:chExt cx="0" cy="0"/>
+        </a:xfrm>
+      </p:grpSpPr>
+    </p:spTree>
+    <p:extLst>
+      <p:ext uri="{BB962C8B-B14F-4D97-AF65-F5344CB8AC3E}">
+        <p14:creationId xmlns:p14="http://schemas.microsoft.com/office/powerpoint/2010/main" val="2373581116"/>
+      </p:ext>
+    </p:extLst>
+  </p:cSld>
+  <p:clrMapOvr>
+    <a:masterClrMapping/>
+  </p:clrMapOvr>
+</p:sld>
+</file>
+
+<file path=ppt/slides/slide19.xml><?xml version="1.0" encoding="utf-8"?>
+<p:sld xmlns:a="http://schemas.openxmlformats.org/drawingml/2006/main" xmlns:r="http://schemas.openxmlformats.org/officeDocument/2006/relationships" xmlns:p="http://schemas.openxmlformats.org/presentationml/2006/main">
+  <p:cSld>
+    <p:spTree>
+      <p:nvGrpSpPr>
+        <p:cNvPr id="1" name="">
+          <a:extLst>
+            <a:ext uri="{FF2B5EF4-FFF2-40B4-BE49-F238E27FC236}">
+              <a16:creationId xmlns:a16="http://schemas.microsoft.com/office/drawing/2014/main" id="{B424D618-367F-426A-13D8-9DAB11DBAF4B}"/>
+            </a:ext>
+          </a:extLst>
+        </p:cNvPr>
+        <p:cNvGrpSpPr/>
+        <p:nvPr/>
+      </p:nvGrpSpPr>
+      <p:grpSpPr>
+        <a:xfrm>
+          <a:off x="0" y="0"/>
+          <a:ext cx="0" cy="0"/>
+          <a:chOff x="0" y="0"/>
+          <a:chExt cx="0" cy="0"/>
+        </a:xfrm>
+      </p:grpSpPr>
+      <p:pic>
+        <p:nvPicPr>
+          <p:cNvPr id="3" name="圖片 2" descr="一張含有 文字, 收據, 字型, 白色 的圖片&#10;&#10;AI 產生的內容可能不正確。">
+            <a:extLst>
+              <a:ext uri="{FF2B5EF4-FFF2-40B4-BE49-F238E27FC236}">
+                <a16:creationId xmlns:a16="http://schemas.microsoft.com/office/drawing/2014/main" id="{046A9C37-A566-C412-B753-F1FCC4352B35}"/>
+              </a:ext>
+            </a:extLst>
+          </p:cNvPr>
+          <p:cNvPicPr>
+            <a:picLocks noChangeAspect="1"/>
+          </p:cNvPicPr>
+          <p:nvPr/>
+        </p:nvPicPr>
+        <p:blipFill>
+          <a:blip r:embed="rId2"/>
+          <a:stretch>
+            <a:fillRect/>
+          </a:stretch>
+        </p:blipFill>
+        <p:spPr>
+          <a:xfrm>
+            <a:off x="2123520" y="2371577"/>
+            <a:ext cx="7944959" cy="2114845"/>
+          </a:xfrm>
+          <a:prstGeom prst="rect">
+            <a:avLst/>
+          </a:prstGeom>
+        </p:spPr>
+      </p:pic>
+      <p:sp>
+        <p:nvSpPr>
+          <p:cNvPr id="4" name="文字方塊 3">
+            <a:extLst>
+              <a:ext uri="{FF2B5EF4-FFF2-40B4-BE49-F238E27FC236}">
+                <a16:creationId xmlns:a16="http://schemas.microsoft.com/office/drawing/2014/main" id="{78D65D8D-FBBB-EC42-82B0-3A55727A6B95}"/>
+              </a:ext>
+            </a:extLst>
+          </p:cNvPr>
+          <p:cNvSpPr txBox="1"/>
+          <p:nvPr/>
+        </p:nvSpPr>
+        <p:spPr>
+          <a:xfrm>
+            <a:off x="347870" y="477078"/>
+            <a:ext cx="1630575" cy="369332"/>
+          </a:xfrm>
+          <a:prstGeom prst="rect">
+            <a:avLst/>
+          </a:prstGeom>
+          <a:noFill/>
+        </p:spPr>
+        <p:txBody>
+          <a:bodyPr wrap="none" rtlCol="0">
+            <a:spAutoFit/>
+          </a:bodyPr>
+          <a:lstStyle/>
+          <a:p>
+            <a:r>
+              <a:rPr lang="en-US" altLang="zh-TW" dirty="0"/>
+              <a:t>HINS</a:t>
+            </a:r>
+            <a:r>
+              <a:rPr lang="zh-TW" altLang="en-US" dirty="0"/>
+              <a:t> </a:t>
+            </a:r>
+            <a:r>
+              <a:rPr lang="en-US" altLang="zh-TW" dirty="0"/>
+              <a:t>MIP</a:t>
+            </a:r>
+            <a:r>
+              <a:rPr lang="zh-TW" altLang="en-US" dirty="0"/>
+              <a:t> 改造</a:t>
+            </a:r>
+          </a:p>
+        </p:txBody>
+      </p:sp>
+    </p:spTree>
+    <p:extLst>
+      <p:ext uri="{BB962C8B-B14F-4D97-AF65-F5344CB8AC3E}">
+        <p14:creationId xmlns:p14="http://schemas.microsoft.com/office/powerpoint/2010/main" val="1554888923"/>
+      </p:ext>
+    </p:extLst>
+  </p:cSld>
+  <p:clrMapOvr>
+    <a:masterClrMapping/>
+  </p:clrMapOvr>
+</p:sld>
+</file>
+
 <file path=ppt/slides/slide2.xml><?xml version="1.0" encoding="utf-8"?>
 <p:sld xmlns:a="http://schemas.openxmlformats.org/drawingml/2006/main" xmlns:r="http://schemas.openxmlformats.org/officeDocument/2006/relationships" xmlns:p="http://schemas.openxmlformats.org/presentationml/2006/main">
   <p:cSld>
@@ -3457,6 +4281,78 @@
     <p:extLst>
       <p:ext uri="{BB962C8B-B14F-4D97-AF65-F5344CB8AC3E}">
         <p14:creationId xmlns:p14="http://schemas.microsoft.com/office/powerpoint/2010/main" val="3510847967"/>
+      </p:ext>
+    </p:extLst>
+  </p:cSld>
+  <p:clrMapOvr>
+    <a:masterClrMapping/>
+  </p:clrMapOvr>
+</p:sld>
+</file>
+
+<file path=ppt/slides/slide20.xml><?xml version="1.0" encoding="utf-8"?>
+<p:sld xmlns:a="http://schemas.openxmlformats.org/drawingml/2006/main" xmlns:r="http://schemas.openxmlformats.org/officeDocument/2006/relationships" xmlns:p="http://schemas.openxmlformats.org/presentationml/2006/main">
+  <p:cSld>
+    <p:spTree>
+      <p:nvGrpSpPr>
+        <p:cNvPr id="1" name="">
+          <a:extLst>
+            <a:ext uri="{FF2B5EF4-FFF2-40B4-BE49-F238E27FC236}">
+              <a16:creationId xmlns:a16="http://schemas.microsoft.com/office/drawing/2014/main" id="{3311D49A-A53C-B3F1-044B-6DFCF50B5D79}"/>
+            </a:ext>
+          </a:extLst>
+        </p:cNvPr>
+        <p:cNvGrpSpPr/>
+        <p:nvPr/>
+      </p:nvGrpSpPr>
+      <p:grpSpPr>
+        <a:xfrm>
+          <a:off x="0" y="0"/>
+          <a:ext cx="0" cy="0"/>
+          <a:chOff x="0" y="0"/>
+          <a:chExt cx="0" cy="0"/>
+        </a:xfrm>
+      </p:grpSpPr>
+    </p:spTree>
+    <p:extLst>
+      <p:ext uri="{BB962C8B-B14F-4D97-AF65-F5344CB8AC3E}">
+        <p14:creationId xmlns:p14="http://schemas.microsoft.com/office/powerpoint/2010/main" val="1803608885"/>
+      </p:ext>
+    </p:extLst>
+  </p:cSld>
+  <p:clrMapOvr>
+    <a:masterClrMapping/>
+  </p:clrMapOvr>
+</p:sld>
+</file>
+
+<file path=ppt/slides/slide21.xml><?xml version="1.0" encoding="utf-8"?>
+<p:sld xmlns:a="http://schemas.openxmlformats.org/drawingml/2006/main" xmlns:r="http://schemas.openxmlformats.org/officeDocument/2006/relationships" xmlns:p="http://schemas.openxmlformats.org/presentationml/2006/main">
+  <p:cSld>
+    <p:spTree>
+      <p:nvGrpSpPr>
+        <p:cNvPr id="1" name="">
+          <a:extLst>
+            <a:ext uri="{FF2B5EF4-FFF2-40B4-BE49-F238E27FC236}">
+              <a16:creationId xmlns:a16="http://schemas.microsoft.com/office/drawing/2014/main" id="{74CC3DCE-E67B-E8CA-9CE6-6902EB96F216}"/>
+            </a:ext>
+          </a:extLst>
+        </p:cNvPr>
+        <p:cNvGrpSpPr/>
+        <p:nvPr/>
+      </p:nvGrpSpPr>
+      <p:grpSpPr>
+        <a:xfrm>
+          <a:off x="0" y="0"/>
+          <a:ext cx="0" cy="0"/>
+          <a:chOff x="0" y="0"/>
+          <a:chExt cx="0" cy="0"/>
+        </a:xfrm>
+      </p:grpSpPr>
+    </p:spTree>
+    <p:extLst>
+      <p:ext uri="{BB962C8B-B14F-4D97-AF65-F5344CB8AC3E}">
+        <p14:creationId xmlns:p14="http://schemas.microsoft.com/office/powerpoint/2010/main" val="1620051515"/>
       </p:ext>
     </p:extLst>
   </p:cSld>
@@ -3576,42 +4472,6 @@
         <p:cNvPr id="1" name="">
           <a:extLst>
             <a:ext uri="{FF2B5EF4-FFF2-40B4-BE49-F238E27FC236}">
-              <a16:creationId xmlns:a16="http://schemas.microsoft.com/office/drawing/2014/main" id="{57837DB8-C66D-5B2F-C0F2-78467969F755}"/>
-            </a:ext>
-          </a:extLst>
-        </p:cNvPr>
-        <p:cNvGrpSpPr/>
-        <p:nvPr/>
-      </p:nvGrpSpPr>
-      <p:grpSpPr>
-        <a:xfrm>
-          <a:off x="0" y="0"/>
-          <a:ext cx="0" cy="0"/>
-          <a:chOff x="0" y="0"/>
-          <a:chExt cx="0" cy="0"/>
-        </a:xfrm>
-      </p:grpSpPr>
-    </p:spTree>
-    <p:extLst>
-      <p:ext uri="{BB962C8B-B14F-4D97-AF65-F5344CB8AC3E}">
-        <p14:creationId xmlns:p14="http://schemas.microsoft.com/office/powerpoint/2010/main" val="2386707819"/>
-      </p:ext>
-    </p:extLst>
-  </p:cSld>
-  <p:clrMapOvr>
-    <a:masterClrMapping/>
-  </p:clrMapOvr>
-</p:sld>
-</file>
-
-<file path=ppt/slides/slide6.xml><?xml version="1.0" encoding="utf-8"?>
-<p:sld xmlns:a="http://schemas.openxmlformats.org/drawingml/2006/main" xmlns:r="http://schemas.openxmlformats.org/officeDocument/2006/relationships" xmlns:p="http://schemas.openxmlformats.org/presentationml/2006/main">
-  <p:cSld>
-    <p:spTree>
-      <p:nvGrpSpPr>
-        <p:cNvPr id="1" name="">
-          <a:extLst>
-            <a:ext uri="{FF2B5EF4-FFF2-40B4-BE49-F238E27FC236}">
               <a16:creationId xmlns:a16="http://schemas.microsoft.com/office/drawing/2014/main" id="{73E45DA6-9479-606B-F6F1-CD579C0C37AE}"/>
             </a:ext>
           </a:extLst>
@@ -3627,6 +4487,76 @@
           <a:chExt cx="0" cy="0"/>
         </a:xfrm>
       </p:grpSpPr>
+      <p:sp>
+        <p:nvSpPr>
+          <p:cNvPr id="2" name="文字方塊 1">
+            <a:extLst>
+              <a:ext uri="{FF2B5EF4-FFF2-40B4-BE49-F238E27FC236}">
+                <a16:creationId xmlns:a16="http://schemas.microsoft.com/office/drawing/2014/main" id="{AB0CCCC1-2A88-E312-6592-5BD1C264D9E2}"/>
+              </a:ext>
+            </a:extLst>
+          </p:cNvPr>
+          <p:cNvSpPr txBox="1"/>
+          <p:nvPr/>
+        </p:nvSpPr>
+        <p:spPr>
+          <a:xfrm>
+            <a:off x="347870" y="337930"/>
+            <a:ext cx="1173719" cy="369332"/>
+          </a:xfrm>
+          <a:prstGeom prst="rect">
+            <a:avLst/>
+          </a:prstGeom>
+          <a:noFill/>
+        </p:spPr>
+        <p:txBody>
+          <a:bodyPr wrap="none" rtlCol="0">
+            <a:spAutoFit/>
+          </a:bodyPr>
+          <a:lstStyle/>
+          <a:p>
+            <a:r>
+              <a:rPr lang="zh-TW" altLang="en-US" dirty="0"/>
+              <a:t>新增設備</a:t>
+            </a:r>
+            <a:r>
+              <a:rPr lang="en-US" altLang="zh-TW" dirty="0"/>
+              <a:t>:</a:t>
+            </a:r>
+            <a:endParaRPr lang="zh-TW" altLang="en-US" dirty="0"/>
+          </a:p>
+        </p:txBody>
+      </p:sp>
+      <p:pic>
+        <p:nvPicPr>
+          <p:cNvPr id="4" name="圖片 3" descr="一張含有 文字, 螢幕擷取畫面, 字型, 代數 的圖片&#10;&#10;AI 產生的內容可能不正確。">
+            <a:extLst>
+              <a:ext uri="{FF2B5EF4-FFF2-40B4-BE49-F238E27FC236}">
+                <a16:creationId xmlns:a16="http://schemas.microsoft.com/office/drawing/2014/main" id="{F07A5DD9-ACEE-A36F-5205-0C641039B62C}"/>
+              </a:ext>
+            </a:extLst>
+          </p:cNvPr>
+          <p:cNvPicPr>
+            <a:picLocks noChangeAspect="1"/>
+          </p:cNvPicPr>
+          <p:nvPr/>
+        </p:nvPicPr>
+        <p:blipFill>
+          <a:blip r:embed="rId2"/>
+          <a:stretch>
+            <a:fillRect/>
+          </a:stretch>
+        </p:blipFill>
+        <p:spPr>
+          <a:xfrm>
+            <a:off x="1790099" y="920162"/>
+            <a:ext cx="8611802" cy="4372585"/>
+          </a:xfrm>
+          <a:prstGeom prst="rect">
+            <a:avLst/>
+          </a:prstGeom>
+        </p:spPr>
+      </p:pic>
     </p:spTree>
     <p:extLst>
       <p:ext uri="{BB962C8B-B14F-4D97-AF65-F5344CB8AC3E}">
@@ -3640,7 +4570,7 @@
 </p:sld>
 </file>
 
-<file path=ppt/slides/slide7.xml><?xml version="1.0" encoding="utf-8"?>
+<file path=ppt/slides/slide6.xml><?xml version="1.0" encoding="utf-8"?>
 <p:sld xmlns:a="http://schemas.openxmlformats.org/drawingml/2006/main" xmlns:r="http://schemas.openxmlformats.org/officeDocument/2006/relationships" xmlns:p="http://schemas.openxmlformats.org/presentationml/2006/main">
   <p:cSld>
     <p:spTree>
@@ -3663,10 +4593,238 @@
           <a:chExt cx="0" cy="0"/>
         </a:xfrm>
       </p:grpSpPr>
+      <p:pic>
+        <p:nvPicPr>
+          <p:cNvPr id="3" name="圖片 2" descr="一張含有 文字, 螢幕擷取畫面, 字型, 數字 的圖片&#10;&#10;AI 產生的內容可能不正確。">
+            <a:extLst>
+              <a:ext uri="{FF2B5EF4-FFF2-40B4-BE49-F238E27FC236}">
+                <a16:creationId xmlns:a16="http://schemas.microsoft.com/office/drawing/2014/main" id="{2C7398CC-AFB1-E0C7-6D58-BB09B28213EF}"/>
+              </a:ext>
+            </a:extLst>
+          </p:cNvPr>
+          <p:cNvPicPr>
+            <a:picLocks noChangeAspect="1"/>
+          </p:cNvPicPr>
+          <p:nvPr/>
+        </p:nvPicPr>
+        <p:blipFill>
+          <a:blip r:embed="rId2"/>
+          <a:stretch>
+            <a:fillRect/>
+          </a:stretch>
+        </p:blipFill>
+        <p:spPr>
+          <a:xfrm>
+            <a:off x="1837730" y="637785"/>
+            <a:ext cx="8516539" cy="5582429"/>
+          </a:xfrm>
+          <a:prstGeom prst="rect">
+            <a:avLst/>
+          </a:prstGeom>
+        </p:spPr>
+      </p:pic>
     </p:spTree>
     <p:extLst>
       <p:ext uri="{BB962C8B-B14F-4D97-AF65-F5344CB8AC3E}">
         <p14:creationId xmlns:p14="http://schemas.microsoft.com/office/powerpoint/2010/main" val="448048565"/>
+      </p:ext>
+    </p:extLst>
+  </p:cSld>
+  <p:clrMapOvr>
+    <a:masterClrMapping/>
+  </p:clrMapOvr>
+</p:sld>
+</file>
+
+<file path=ppt/slides/slide7.xml><?xml version="1.0" encoding="utf-8"?>
+<p:sld xmlns:a="http://schemas.openxmlformats.org/drawingml/2006/main" xmlns:r="http://schemas.openxmlformats.org/officeDocument/2006/relationships" xmlns:p="http://schemas.openxmlformats.org/presentationml/2006/main">
+  <p:cSld>
+    <p:spTree>
+      <p:nvGrpSpPr>
+        <p:cNvPr id="1" name="">
+          <a:extLst>
+            <a:ext uri="{FF2B5EF4-FFF2-40B4-BE49-F238E27FC236}">
+              <a16:creationId xmlns:a16="http://schemas.microsoft.com/office/drawing/2014/main" id="{994660D2-9BD0-035E-9E86-01F98C328FCD}"/>
+            </a:ext>
+          </a:extLst>
+        </p:cNvPr>
+        <p:cNvGrpSpPr/>
+        <p:nvPr/>
+      </p:nvGrpSpPr>
+      <p:grpSpPr>
+        <a:xfrm>
+          <a:off x="0" y="0"/>
+          <a:ext cx="0" cy="0"/>
+          <a:chOff x="0" y="0"/>
+          <a:chExt cx="0" cy="0"/>
+        </a:xfrm>
+      </p:grpSpPr>
+      <p:pic>
+        <p:nvPicPr>
+          <p:cNvPr id="3" name="圖片 2" descr="一張含有 文字, 字型, 收據, 代數 的圖片&#10;&#10;AI 產生的內容可能不正確。">
+            <a:extLst>
+              <a:ext uri="{FF2B5EF4-FFF2-40B4-BE49-F238E27FC236}">
+                <a16:creationId xmlns:a16="http://schemas.microsoft.com/office/drawing/2014/main" id="{934CD76C-A434-DB43-E7FF-2CA650E5ED71}"/>
+              </a:ext>
+            </a:extLst>
+          </p:cNvPr>
+          <p:cNvPicPr>
+            <a:picLocks noChangeAspect="1"/>
+          </p:cNvPicPr>
+          <p:nvPr/>
+        </p:nvPicPr>
+        <p:blipFill>
+          <a:blip r:embed="rId2"/>
+          <a:stretch>
+            <a:fillRect/>
+          </a:stretch>
+        </p:blipFill>
+        <p:spPr>
+          <a:xfrm>
+            <a:off x="2118757" y="1985761"/>
+            <a:ext cx="7954485" cy="2886478"/>
+          </a:xfrm>
+          <a:prstGeom prst="rect">
+            <a:avLst/>
+          </a:prstGeom>
+        </p:spPr>
+      </p:pic>
+    </p:spTree>
+    <p:extLst>
+      <p:ext uri="{BB962C8B-B14F-4D97-AF65-F5344CB8AC3E}">
+        <p14:creationId xmlns:p14="http://schemas.microsoft.com/office/powerpoint/2010/main" val="500167588"/>
+      </p:ext>
+    </p:extLst>
+  </p:cSld>
+  <p:clrMapOvr>
+    <a:masterClrMapping/>
+  </p:clrMapOvr>
+</p:sld>
+</file>
+
+<file path=ppt/slides/slide8.xml><?xml version="1.0" encoding="utf-8"?>
+<p:sld xmlns:a="http://schemas.openxmlformats.org/drawingml/2006/main" xmlns:r="http://schemas.openxmlformats.org/officeDocument/2006/relationships" xmlns:p="http://schemas.openxmlformats.org/presentationml/2006/main">
+  <p:cSld>
+    <p:spTree>
+      <p:nvGrpSpPr>
+        <p:cNvPr id="1" name="">
+          <a:extLst>
+            <a:ext uri="{FF2B5EF4-FFF2-40B4-BE49-F238E27FC236}">
+              <a16:creationId xmlns:a16="http://schemas.microsoft.com/office/drawing/2014/main" id="{9AAFB05B-E626-0497-DDFD-A63D2136312B}"/>
+            </a:ext>
+          </a:extLst>
+        </p:cNvPr>
+        <p:cNvGrpSpPr/>
+        <p:nvPr/>
+      </p:nvGrpSpPr>
+      <p:grpSpPr>
+        <a:xfrm>
+          <a:off x="0" y="0"/>
+          <a:ext cx="0" cy="0"/>
+          <a:chOff x="0" y="0"/>
+          <a:chExt cx="0" cy="0"/>
+        </a:xfrm>
+      </p:grpSpPr>
+      <p:pic>
+        <p:nvPicPr>
+          <p:cNvPr id="3" name="圖片 2" descr="一張含有 文字, 螢幕擷取畫面, 字型 的圖片&#10;&#10;AI 產生的內容可能不正確。">
+            <a:extLst>
+              <a:ext uri="{FF2B5EF4-FFF2-40B4-BE49-F238E27FC236}">
+                <a16:creationId xmlns:a16="http://schemas.microsoft.com/office/drawing/2014/main" id="{F94C5C7C-4F63-8541-932A-AF95CD3D2DA6}"/>
+              </a:ext>
+            </a:extLst>
+          </p:cNvPr>
+          <p:cNvPicPr>
+            <a:picLocks noChangeAspect="1"/>
+          </p:cNvPicPr>
+          <p:nvPr/>
+        </p:nvPicPr>
+        <p:blipFill>
+          <a:blip r:embed="rId2"/>
+          <a:stretch>
+            <a:fillRect/>
+          </a:stretch>
+        </p:blipFill>
+        <p:spPr>
+          <a:xfrm>
+            <a:off x="2037495" y="0"/>
+            <a:ext cx="6721462" cy="3687417"/>
+          </a:xfrm>
+          <a:prstGeom prst="rect">
+            <a:avLst/>
+          </a:prstGeom>
+        </p:spPr>
+      </p:pic>
+      <p:pic>
+        <p:nvPicPr>
+          <p:cNvPr id="5" name="圖片 4" descr="一張含有 文字, 螢幕擷取畫面, 字型 的圖片&#10;&#10;AI 產生的內容可能不正確。">
+            <a:extLst>
+              <a:ext uri="{FF2B5EF4-FFF2-40B4-BE49-F238E27FC236}">
+                <a16:creationId xmlns:a16="http://schemas.microsoft.com/office/drawing/2014/main" id="{67843EA9-265A-8FF6-AA60-EA5DF62C45E1}"/>
+              </a:ext>
+            </a:extLst>
+          </p:cNvPr>
+          <p:cNvPicPr>
+            <a:picLocks noChangeAspect="1"/>
+          </p:cNvPicPr>
+          <p:nvPr/>
+        </p:nvPicPr>
+        <p:blipFill>
+          <a:blip r:embed="rId3"/>
+          <a:stretch>
+            <a:fillRect/>
+          </a:stretch>
+        </p:blipFill>
+        <p:spPr>
+          <a:xfrm>
+            <a:off x="2136913" y="3995530"/>
+            <a:ext cx="6622044" cy="2457666"/>
+          </a:xfrm>
+          <a:prstGeom prst="rect">
+            <a:avLst/>
+          </a:prstGeom>
+        </p:spPr>
+      </p:pic>
+    </p:spTree>
+    <p:extLst>
+      <p:ext uri="{BB962C8B-B14F-4D97-AF65-F5344CB8AC3E}">
+        <p14:creationId xmlns:p14="http://schemas.microsoft.com/office/powerpoint/2010/main" val="1231599651"/>
+      </p:ext>
+    </p:extLst>
+  </p:cSld>
+  <p:clrMapOvr>
+    <a:masterClrMapping/>
+  </p:clrMapOvr>
+</p:sld>
+</file>
+
+<file path=ppt/slides/slide9.xml><?xml version="1.0" encoding="utf-8"?>
+<p:sld xmlns:a="http://schemas.openxmlformats.org/drawingml/2006/main" xmlns:r="http://schemas.openxmlformats.org/officeDocument/2006/relationships" xmlns:p="http://schemas.openxmlformats.org/presentationml/2006/main">
+  <p:cSld>
+    <p:spTree>
+      <p:nvGrpSpPr>
+        <p:cNvPr id="1" name="">
+          <a:extLst>
+            <a:ext uri="{FF2B5EF4-FFF2-40B4-BE49-F238E27FC236}">
+              <a16:creationId xmlns:a16="http://schemas.microsoft.com/office/drawing/2014/main" id="{502309C1-CE88-4555-114C-CD4E0CC17A9D}"/>
+            </a:ext>
+          </a:extLst>
+        </p:cNvPr>
+        <p:cNvGrpSpPr/>
+        <p:nvPr/>
+      </p:nvGrpSpPr>
+      <p:grpSpPr>
+        <a:xfrm>
+          <a:off x="0" y="0"/>
+          <a:ext cx="0" cy="0"/>
+          <a:chOff x="0" y="0"/>
+          <a:chExt cx="0" cy="0"/>
+        </a:xfrm>
+      </p:grpSpPr>
+    </p:spTree>
+    <p:extLst>
+      <p:ext uri="{BB962C8B-B14F-4D97-AF65-F5344CB8AC3E}">
+        <p14:creationId xmlns:p14="http://schemas.microsoft.com/office/powerpoint/2010/main" val="1769066727"/>
       </p:ext>
     </p:extLst>
   </p:cSld>
